--- a/模型架构图.pptx
+++ b/模型架构图.pptx
@@ -112,7 +112,7 @@
             <a:srgbClr val="A4A3A4"/>
           </p15:clr>
         </p15:guide>
-        <p15:guide id="2" pos="3702" userDrawn="1">
+        <p15:guide id="2" pos="3674" userDrawn="1">
           <p15:clr>
             <a:srgbClr val="A4A3A4"/>
           </p15:clr>
@@ -3079,6 +3079,45 @@
           <a:chExt cx="0" cy="0"/>
         </a:xfrm>
       </p:grpSpPr>
+      <p:sp>
+        <p:nvSpPr>
+          <p:cNvPr id="10" name="矩形 9"/>
+          <p:cNvSpPr/>
+          <p:nvPr/>
+        </p:nvSpPr>
+        <p:spPr>
+          <a:xfrm>
+            <a:off x="1117600" y="1419225"/>
+            <a:ext cx="7527925" cy="4208145"/>
+          </a:xfrm>
+          <a:prstGeom prst="rect">
+            <a:avLst/>
+          </a:prstGeom>
+        </p:spPr>
+        <p:style>
+          <a:lnRef idx="2">
+            <a:schemeClr val="accent1">
+              <a:lumMod val="75000"/>
+            </a:schemeClr>
+          </a:lnRef>
+          <a:fillRef idx="1">
+            <a:schemeClr val="accent1"/>
+          </a:fillRef>
+          <a:effectRef idx="0">
+            <a:srgbClr val="FFFFFF"/>
+          </a:effectRef>
+          <a:fontRef idx="minor">
+            <a:schemeClr val="lt1"/>
+          </a:fontRef>
+        </p:style>
+        <p:txBody>
+          <a:bodyPr rtlCol="0" anchor="ctr"/>
+          <a:p>
+            <a:pPr algn="ctr"/>
+            <a:endParaRPr lang="zh-CN" altLang="en-US"/>
+          </a:p>
+        </p:txBody>
+      </p:sp>
       <p:sp>
         <p:nvSpPr>
           <p:cNvPr id="5" name="文本框 4"/>
@@ -3723,11 +3762,15 @@
               <a:avLst/>
             </a:prstGeom>
             <a:solidFill>
-              <a:schemeClr val="accent4"/>
+              <a:schemeClr val="accent4">
+                <a:lumMod val="75000"/>
+              </a:schemeClr>
             </a:solidFill>
             <a:ln>
               <a:solidFill>
-                <a:schemeClr val="accent4"/>
+                <a:schemeClr val="accent4">
+                  <a:lumMod val="75000"/>
+                </a:schemeClr>
               </a:solidFill>
             </a:ln>
           </p:spPr>
@@ -3771,17 +3814,11 @@
             <a:avLst/>
           </a:prstGeom>
           <a:solidFill>
-            <a:schemeClr val="tx1">
-              <a:lumMod val="50000"/>
-              <a:lumOff val="50000"/>
-            </a:schemeClr>
+            <a:schemeClr val="accent4"/>
           </a:solidFill>
           <a:ln>
             <a:solidFill>
-              <a:schemeClr val="tx1">
-                <a:lumMod val="50000"/>
-                <a:lumOff val="50000"/>
-              </a:schemeClr>
+              <a:schemeClr val="accent4"/>
             </a:solidFill>
           </a:ln>
         </p:spPr>
@@ -3960,7 +3997,10 @@
             </a:prstGeom>
             <a:ln>
               <a:solidFill>
-                <a:schemeClr val="accent1"/>
+                <a:schemeClr val="accent1">
+                  <a:lumMod val="20000"/>
+                  <a:lumOff val="80000"/>
+                </a:schemeClr>
               </a:solidFill>
             </a:ln>
           </p:spPr>
@@ -4018,7 +4058,6 @@
             <a:p>
               <a:r>
                 <a:rPr lang="en-US" altLang="zh-CN" sz="1200">
-                  <a:ln/>
                   <a:solidFill>
                     <a:schemeClr val="bg1"/>
                   </a:solidFill>
@@ -4033,7 +4072,6 @@
                 <a:t>MomentumAgent</a:t>
               </a:r>
               <a:endParaRPr lang="en-US" altLang="zh-CN" sz="1200">
-                <a:ln/>
                 <a:solidFill>
                   <a:schemeClr val="bg1"/>
                 </a:solidFill>
@@ -4079,7 +4117,10 @@
             </a:prstGeom>
             <a:ln>
               <a:solidFill>
-                <a:schemeClr val="accent1"/>
+                <a:schemeClr val="accent1">
+                  <a:lumMod val="20000"/>
+                  <a:lumOff val="80000"/>
+                </a:schemeClr>
               </a:solidFill>
             </a:ln>
           </p:spPr>
@@ -4196,7 +4237,10 @@
             </a:prstGeom>
             <a:ln>
               <a:solidFill>
-                <a:schemeClr val="accent1"/>
+                <a:schemeClr val="accent1">
+                  <a:lumMod val="20000"/>
+                  <a:lumOff val="80000"/>
+                </a:schemeClr>
               </a:solidFill>
             </a:ln>
           </p:spPr>
@@ -4240,9 +4284,7 @@
             </a:prstGeom>
             <a:noFill/>
             <a:ln>
-              <a:solidFill>
-                <a:schemeClr val="accent1"/>
-              </a:solidFill>
+              <a:noFill/>
             </a:ln>
           </p:spPr>
           <p:txBody>
@@ -4432,7 +4474,10 @@
             </a:prstGeom>
             <a:ln>
               <a:solidFill>
-                <a:schemeClr val="accent1"/>
+                <a:schemeClr val="accent1">
+                  <a:lumMod val="20000"/>
+                  <a:lumOff val="80000"/>
+                </a:schemeClr>
               </a:solidFill>
             </a:ln>
           </p:spPr>
@@ -4549,7 +4594,10 @@
             </a:prstGeom>
             <a:ln>
               <a:solidFill>
-                <a:schemeClr val="accent1"/>
+                <a:schemeClr val="accent1">
+                  <a:lumMod val="20000"/>
+                  <a:lumOff val="80000"/>
+                </a:schemeClr>
               </a:solidFill>
             </a:ln>
           </p:spPr>
@@ -4661,41 +4709,6 @@
           </p:txBody>
         </p:sp>
       </p:grpSp>
-      <p:cxnSp>
-        <p:nvCxnSpPr>
-          <p:cNvPr id="44" name="直接连接符 43"/>
-          <p:cNvCxnSpPr/>
-          <p:nvPr/>
-        </p:nvCxnSpPr>
-        <p:spPr>
-          <a:xfrm>
-            <a:off x="1154430" y="2642870"/>
-            <a:ext cx="4093210" cy="14605"/>
-          </a:xfrm>
-          <a:prstGeom prst="line">
-            <a:avLst/>
-          </a:prstGeom>
-          <a:ln>
-            <a:solidFill>
-              <a:schemeClr val="tx1"/>
-            </a:solidFill>
-          </a:ln>
-        </p:spPr>
-        <p:style>
-          <a:lnRef idx="2">
-            <a:schemeClr val="accent1"/>
-          </a:lnRef>
-          <a:fillRef idx="0">
-            <a:srgbClr val="FFFFFF"/>
-          </a:fillRef>
-          <a:effectRef idx="0">
-            <a:srgbClr val="FFFFFF"/>
-          </a:effectRef>
-          <a:fontRef idx="minor">
-            <a:schemeClr val="tx1"/>
-          </a:fontRef>
-        </p:style>
-      </p:cxnSp>
       <p:grpSp>
         <p:nvGrpSpPr>
           <p:cNvPr id="55" name="组合 54"/>
@@ -4704,7 +4717,7 @@
         </p:nvGrpSpPr>
         <p:grpSpPr>
           <a:xfrm rot="0">
-            <a:off x="3776345" y="860425"/>
+            <a:off x="3623310" y="848995"/>
             <a:ext cx="1566545" cy="480695"/>
             <a:chOff x="14477" y="4108"/>
             <a:chExt cx="3699" cy="757"/>
@@ -4823,167 +4836,172 @@
           </p:txBody>
         </p:sp>
       </p:grpSp>
-      <p:grpSp>
-        <p:nvGrpSpPr>
-          <p:cNvPr id="97" name="组合 96"/>
-          <p:cNvGrpSpPr/>
+      <p:cxnSp>
+        <p:nvCxnSpPr>
+          <p:cNvPr id="44" name="直接连接符 43"/>
+          <p:cNvCxnSpPr/>
           <p:nvPr/>
-        </p:nvGrpSpPr>
-        <p:grpSpPr>
+        </p:nvCxnSpPr>
+        <p:spPr>
+          <a:xfrm>
+            <a:off x="1154430" y="2642870"/>
+            <a:ext cx="4093210" cy="14605"/>
+          </a:xfrm>
+          <a:prstGeom prst="line">
+            <a:avLst/>
+          </a:prstGeom>
+          <a:ln>
+            <a:solidFill>
+              <a:schemeClr val="tx1"/>
+            </a:solidFill>
+          </a:ln>
+        </p:spPr>
+        <p:style>
+          <a:lnRef idx="2">
+            <a:schemeClr val="accent1"/>
+          </a:lnRef>
+          <a:fillRef idx="0">
+            <a:srgbClr val="FFFFFF"/>
+          </a:fillRef>
+          <a:effectRef idx="0">
+            <a:srgbClr val="FFFFFF"/>
+          </a:effectRef>
+          <a:fontRef idx="minor">
+            <a:schemeClr val="tx1"/>
+          </a:fontRef>
+        </p:style>
+      </p:cxnSp>
+      <p:sp>
+        <p:nvSpPr>
+          <p:cNvPr id="37" name="文本框 36"/>
+          <p:cNvSpPr txBox="1"/>
+          <p:nvPr/>
+        </p:nvSpPr>
+        <p:spPr>
+          <a:xfrm>
+            <a:off x="1154430" y="1480820"/>
+            <a:ext cx="1428750" cy="367030"/>
+          </a:xfrm>
+          <a:prstGeom prst="rect">
+            <a:avLst/>
+          </a:prstGeom>
+          <a:noFill/>
+        </p:spPr>
+        <p:txBody>
+          <a:bodyPr wrap="square" rtlCol="0">
+            <a:noAutofit/>
+          </a:bodyPr>
+          <a:p>
+            <a:r>
+              <a:rPr lang="en-US" altLang="zh-CN" sz="1400" b="1">
+                <a:latin typeface="微软雅黑" panose="020B0503020204020204" charset="-122"/>
+                <a:ea typeface="微软雅黑" panose="020B0503020204020204" charset="-122"/>
+              </a:rPr>
+              <a:t>CLOB </a:t>
+            </a:r>
+            <a:r>
+              <a:rPr lang="en-US" altLang="zh-CN" sz="1400" b="1">
+                <a:latin typeface="微软雅黑" panose="020B0503020204020204" charset="-122"/>
+                <a:ea typeface="微软雅黑" panose="020B0503020204020204" charset="-122"/>
+              </a:rPr>
+              <a:t>MODE</a:t>
+            </a:r>
+            <a:endParaRPr lang="en-US" altLang="zh-CN" sz="1400" b="1">
+              <a:latin typeface="微软雅黑" panose="020B0503020204020204" charset="-122"/>
+              <a:ea typeface="微软雅黑" panose="020B0503020204020204" charset="-122"/>
+            </a:endParaRPr>
+          </a:p>
+        </p:txBody>
+      </p:sp>
+      <p:sp>
+        <p:nvSpPr>
+          <p:cNvPr id="4" name="矩形 3"/>
+          <p:cNvSpPr/>
+          <p:nvPr/>
+        </p:nvSpPr>
+        <p:spPr>
           <a:xfrm>
             <a:off x="1154430" y="1480185"/>
             <a:ext cx="4105275" cy="3636010"/>
-            <a:chOff x="1818" y="2331"/>
-            <a:chExt cx="6578" cy="5436"/>
           </a:xfrm>
-        </p:grpSpPr>
-        <p:sp>
-          <p:nvSpPr>
-            <p:cNvPr id="37" name="文本框 36"/>
-            <p:cNvSpPr txBox="1"/>
-            <p:nvPr/>
-          </p:nvSpPr>
-          <p:spPr>
-            <a:xfrm>
-              <a:off x="1818" y="2332"/>
-              <a:ext cx="2289" cy="549"/>
-            </a:xfrm>
-            <a:prstGeom prst="rect">
-              <a:avLst/>
-            </a:prstGeom>
-            <a:noFill/>
-          </p:spPr>
-          <p:txBody>
-            <a:bodyPr wrap="square" rtlCol="0">
-              <a:noAutofit/>
-            </a:bodyPr>
-            <a:p>
-              <a:r>
-                <a:rPr lang="en-US" altLang="zh-CN" sz="1400" b="1">
-                  <a:latin typeface="微软雅黑" panose="020B0503020204020204" charset="-122"/>
-                  <a:ea typeface="微软雅黑" panose="020B0503020204020204" charset="-122"/>
-                </a:rPr>
-                <a:t>CLOB </a:t>
-              </a:r>
-              <a:r>
-                <a:rPr lang="en-US" altLang="zh-CN" sz="1400" b="1">
-                  <a:latin typeface="微软雅黑" panose="020B0503020204020204" charset="-122"/>
-                  <a:ea typeface="微软雅黑" panose="020B0503020204020204" charset="-122"/>
-                </a:rPr>
-                <a:t>MODE</a:t>
-              </a:r>
-              <a:endParaRPr lang="en-US" altLang="zh-CN" sz="1400" b="1">
+          <a:prstGeom prst="rect">
+            <a:avLst/>
+          </a:prstGeom>
+          <a:noFill/>
+          <a:ln w="19050">
+            <a:solidFill>
+              <a:schemeClr val="tx1"/>
+            </a:solidFill>
+          </a:ln>
+          <a:extLst>
+            <a:ext uri="{909E8E84-426E-40DD-AFC4-6F175D3DCCD1}">
+              <a14:hiddenFill xmlns:a14="http://schemas.microsoft.com/office/drawing/2010/main">
+                <a:solidFill>
+                  <a:schemeClr val="accent1"/>
+                </a:solidFill>
+              </a14:hiddenFill>
+            </a:ext>
+          </a:extLst>
+        </p:spPr>
+        <p:style>
+          <a:lnRef idx="2">
+            <a:schemeClr val="accent1">
+              <a:lumMod val="75000"/>
+            </a:schemeClr>
+          </a:lnRef>
+          <a:fillRef idx="1">
+            <a:schemeClr val="accent1"/>
+          </a:fillRef>
+          <a:effectRef idx="0">
+            <a:srgbClr val="FFFFFF"/>
+          </a:effectRef>
+          <a:fontRef idx="minor">
+            <a:schemeClr val="lt1"/>
+          </a:fontRef>
+        </p:style>
+        <p:txBody>
+          <a:bodyPr rtlCol="0" anchor="ctr"/>
+          <a:p>
+            <a:pPr algn="ctr"/>
+            <a:endParaRPr lang="zh-CN" altLang="en-US" sz="1400"/>
+          </a:p>
+        </p:txBody>
+      </p:sp>
+      <p:sp>
+        <p:nvSpPr>
+          <p:cNvPr id="52" name="文本框 51"/>
+          <p:cNvSpPr txBox="1"/>
+          <p:nvPr/>
+        </p:nvSpPr>
+        <p:spPr>
+          <a:xfrm>
+            <a:off x="2337435" y="4773295"/>
+            <a:ext cx="1534160" cy="337185"/>
+          </a:xfrm>
+          <a:prstGeom prst="rect">
+            <a:avLst/>
+          </a:prstGeom>
+          <a:noFill/>
+        </p:spPr>
+        <p:txBody>
+          <a:bodyPr wrap="square" rtlCol="0">
+            <a:spAutoFit/>
+          </a:bodyPr>
+          <a:p>
+            <a:r>
+              <a:rPr lang="en-US" altLang="zh-CN" sz="1600" b="1">
                 <a:latin typeface="微软雅黑" panose="020B0503020204020204" charset="-122"/>
                 <a:ea typeface="微软雅黑" panose="020B0503020204020204" charset="-122"/>
-              </a:endParaRPr>
-            </a:p>
-          </p:txBody>
-        </p:sp>
-        <p:grpSp>
-          <p:nvGrpSpPr>
-            <p:cNvPr id="95" name="组合 94"/>
-            <p:cNvGrpSpPr/>
-            <p:nvPr/>
-          </p:nvGrpSpPr>
-          <p:grpSpPr>
-            <a:xfrm>
-              <a:off x="1818" y="2331"/>
-              <a:ext cx="6578" cy="5436"/>
-              <a:chOff x="1818" y="2331"/>
-              <a:chExt cx="6578" cy="7008"/>
-            </a:xfrm>
-          </p:grpSpPr>
-          <p:sp>
-            <p:nvSpPr>
-              <p:cNvPr id="4" name="矩形 3"/>
-              <p:cNvSpPr/>
-              <p:nvPr/>
-            </p:nvSpPr>
-            <p:spPr>
-              <a:xfrm>
-                <a:off x="1818" y="2331"/>
-                <a:ext cx="6578" cy="7008"/>
-              </a:xfrm>
-              <a:prstGeom prst="rect">
-                <a:avLst/>
-              </a:prstGeom>
-              <a:noFill/>
-              <a:ln w="19050">
-                <a:solidFill>
-                  <a:schemeClr val="tx1"/>
-                </a:solidFill>
-              </a:ln>
-              <a:extLst>
-                <a:ext uri="{909E8E84-426E-40DD-AFC4-6F175D3DCCD1}">
-                  <a14:hiddenFill xmlns:a14="http://schemas.microsoft.com/office/drawing/2010/main">
-                    <a:solidFill>
-                      <a:schemeClr val="accent1"/>
-                    </a:solidFill>
-                  </a14:hiddenFill>
-                </a:ext>
-              </a:extLst>
-            </p:spPr>
-            <p:style>
-              <a:lnRef idx="2">
-                <a:schemeClr val="accent1">
-                  <a:lumMod val="75000"/>
-                </a:schemeClr>
-              </a:lnRef>
-              <a:fillRef idx="1">
-                <a:schemeClr val="accent1"/>
-              </a:fillRef>
-              <a:effectRef idx="0">
-                <a:srgbClr val="FFFFFF"/>
-              </a:effectRef>
-              <a:fontRef idx="minor">
-                <a:schemeClr val="lt1"/>
-              </a:fontRef>
-            </p:style>
-            <p:txBody>
-              <a:bodyPr rtlCol="0" anchor="ctr"/>
-              <a:p>
-                <a:pPr algn="ctr"/>
-                <a:endParaRPr lang="zh-CN" altLang="en-US" sz="1400"/>
-              </a:p>
-            </p:txBody>
-          </p:sp>
-          <p:sp>
-            <p:nvSpPr>
-              <p:cNvPr id="52" name="文本框 51"/>
-              <p:cNvSpPr txBox="1"/>
-              <p:nvPr/>
-            </p:nvSpPr>
-            <p:spPr>
-              <a:xfrm>
-                <a:off x="3714" y="8678"/>
-                <a:ext cx="2458" cy="650"/>
-              </a:xfrm>
-              <a:prstGeom prst="rect">
-                <a:avLst/>
-              </a:prstGeom>
-              <a:noFill/>
-            </p:spPr>
-            <p:txBody>
-              <a:bodyPr wrap="square" rtlCol="0">
-                <a:spAutoFit/>
-              </a:bodyPr>
-              <a:p>
-                <a:r>
-                  <a:rPr lang="en-US" altLang="zh-CN" sz="1600" b="1">
-                    <a:latin typeface="微软雅黑" panose="020B0503020204020204" charset="-122"/>
-                    <a:ea typeface="微软雅黑" panose="020B0503020204020204" charset="-122"/>
-                  </a:rPr>
-                  <a:t>Background</a:t>
-                </a:r>
-                <a:endParaRPr lang="en-US" altLang="zh-CN" sz="1600" b="1">
-                  <a:latin typeface="微软雅黑" panose="020B0503020204020204" charset="-122"/>
-                  <a:ea typeface="微软雅黑" panose="020B0503020204020204" charset="-122"/>
-                </a:endParaRPr>
-              </a:p>
-            </p:txBody>
-          </p:sp>
-        </p:grpSp>
-      </p:grpSp>
+              </a:rPr>
+              <a:t>Background</a:t>
+            </a:r>
+            <a:endParaRPr lang="en-US" altLang="zh-CN" sz="1600" b="1">
+              <a:latin typeface="微软雅黑" panose="020B0503020204020204" charset="-122"/>
+              <a:ea typeface="微软雅黑" panose="020B0503020204020204" charset="-122"/>
+            </a:endParaRPr>
+          </a:p>
+        </p:txBody>
+      </p:sp>
       <p:grpSp>
         <p:nvGrpSpPr>
           <p:cNvPr id="65" name="组合 64"/>
@@ -4992,7 +5010,7 @@
         </p:nvGrpSpPr>
         <p:grpSpPr>
           <a:xfrm rot="0">
-            <a:off x="3872230" y="1832619"/>
+            <a:off x="3676015" y="1832619"/>
             <a:ext cx="1282700" cy="494665"/>
             <a:chOff x="12332" y="900"/>
             <a:chExt cx="2417" cy="796"/>
@@ -5112,15 +5130,18 @@
         </p:nvSpPr>
         <p:spPr>
           <a:xfrm>
-            <a:off x="2288540" y="2375535"/>
+            <a:off x="2288540" y="2339975"/>
             <a:ext cx="185420" cy="529590"/>
           </a:xfrm>
           <a:prstGeom prst="upDownArrow">
             <a:avLst/>
           </a:prstGeom>
+          <a:solidFill>
+            <a:schemeClr val="accent2"/>
+          </a:solidFill>
           <a:ln>
             <a:solidFill>
-              <a:schemeClr val="accent1"/>
+              <a:schemeClr val="accent2"/>
             </a:solidFill>
           </a:ln>
         </p:spPr>
@@ -5144,7 +5165,7 @@
           <a:bodyPr rtlCol="0" anchor="ctr"/>
           <a:p>
             <a:pPr algn="ctr"/>
-            <a:endParaRPr lang="zh-CN" altLang="en-US"/>
+            <a:endParaRPr lang="en-US" altLang="zh-CN"/>
           </a:p>
         </p:txBody>
       </p:sp>
@@ -5156,18 +5177,22 @@
         </p:nvSpPr>
         <p:spPr>
           <a:xfrm>
-            <a:off x="3215640" y="2021205"/>
-            <a:ext cx="560705" cy="147320"/>
+            <a:off x="3121025" y="2021205"/>
+            <a:ext cx="497205" cy="147320"/>
           </a:xfrm>
           <a:prstGeom prst="leftRightArrow">
             <a:avLst/>
           </a:prstGeom>
           <a:solidFill>
-            <a:schemeClr val="accent2"/>
+            <a:schemeClr val="accent2">
+              <a:lumMod val="75000"/>
+            </a:schemeClr>
           </a:solidFill>
           <a:ln>
             <a:solidFill>
-              <a:schemeClr val="accent2"/>
+              <a:schemeClr val="accent2">
+                <a:lumMod val="75000"/>
+              </a:schemeClr>
             </a:solidFill>
           </a:ln>
         </p:spPr>
@@ -5348,24 +5373,18 @@
         </p:nvSpPr>
         <p:spPr>
           <a:xfrm>
-            <a:off x="8988425" y="1497330"/>
-            <a:ext cx="955675" cy="3618865"/>
+            <a:off x="1114425" y="5627370"/>
+            <a:ext cx="7531100" cy="535940"/>
           </a:xfrm>
           <a:prstGeom prst="rect">
             <a:avLst/>
           </a:prstGeom>
           <a:solidFill>
-            <a:schemeClr val="tx1">
-              <a:lumMod val="50000"/>
-              <a:lumOff val="50000"/>
-            </a:schemeClr>
+            <a:srgbClr val="7030A0"/>
           </a:solidFill>
           <a:ln>
             <a:solidFill>
-              <a:schemeClr val="tx1">
-                <a:lumMod val="50000"/>
-                <a:lumOff val="50000"/>
-              </a:schemeClr>
+              <a:srgbClr val="7030A0"/>
             </a:solidFill>
           </a:ln>
         </p:spPr>
@@ -5390,67 +5409,16 @@
           <a:p>
             <a:pPr algn="ctr"/>
             <a:r>
-              <a:rPr lang="en-US" altLang="zh-CN"/>
+              <a:rPr lang="en-US" altLang="zh-CN" b="1">
+                <a:latin typeface="微软雅黑" panose="020B0503020204020204" charset="-122"/>
+                <a:ea typeface="微软雅黑" panose="020B0503020204020204" charset="-122"/>
+              </a:rPr>
               <a:t>Kernel</a:t>
             </a:r>
-            <a:endParaRPr lang="en-US" altLang="zh-CN"/>
-          </a:p>
-        </p:txBody>
-      </p:sp>
-      <p:sp>
-        <p:nvSpPr>
-          <p:cNvPr id="100" name="左箭头 99"/>
-          <p:cNvSpPr/>
-          <p:nvPr/>
-        </p:nvSpPr>
-        <p:spPr>
-          <a:xfrm>
-            <a:off x="7980045" y="3064510"/>
-            <a:ext cx="936625" cy="438785"/>
-          </a:xfrm>
-          <a:prstGeom prst="leftArrow">
-            <a:avLst/>
-          </a:prstGeom>
-          <a:solidFill>
-            <a:schemeClr val="tx1">
-              <a:lumMod val="50000"/>
-              <a:lumOff val="50000"/>
-            </a:schemeClr>
-          </a:solidFill>
-          <a:ln>
-            <a:solidFill>
-              <a:schemeClr val="tx1">
-                <a:lumMod val="50000"/>
-                <a:lumOff val="50000"/>
-              </a:schemeClr>
-            </a:solidFill>
-          </a:ln>
-        </p:spPr>
-        <p:style>
-          <a:lnRef idx="2">
-            <a:schemeClr val="accent1">
-              <a:lumMod val="75000"/>
-            </a:schemeClr>
-          </a:lnRef>
-          <a:fillRef idx="1">
-            <a:schemeClr val="accent1"/>
-          </a:fillRef>
-          <a:effectRef idx="0">
-            <a:srgbClr val="FFFFFF"/>
-          </a:effectRef>
-          <a:fontRef idx="minor">
-            <a:schemeClr val="lt1"/>
-          </a:fontRef>
-        </p:style>
-        <p:txBody>
-          <a:bodyPr rtlCol="0" anchor="ctr"/>
-          <a:p>
-            <a:pPr algn="ctr"/>
-            <a:r>
-              <a:rPr lang="en-US" altLang="zh-CN" sz="1400"/>
-              <a:t>wakeup</a:t>
-            </a:r>
-            <a:endParaRPr lang="en-US" altLang="zh-CN" sz="1400"/>
+            <a:endParaRPr lang="en-US" altLang="zh-CN" b="1">
+              <a:latin typeface="微软雅黑" panose="020B0503020204020204" charset="-122"/>
+              <a:ea typeface="微软雅黑" panose="020B0503020204020204" charset="-122"/>
+            </a:endParaRPr>
           </a:p>
         </p:txBody>
       </p:sp>
@@ -5462,8 +5430,8 @@
         </p:nvSpPr>
         <p:spPr>
           <a:xfrm>
-            <a:off x="4421505" y="1356995"/>
-            <a:ext cx="184785" cy="443865"/>
+            <a:off x="4284980" y="1339850"/>
+            <a:ext cx="99060" cy="471170"/>
           </a:xfrm>
           <a:prstGeom prst="upArrow">
             <a:avLst/>
@@ -5497,7 +5465,7 @@
           <a:bodyPr rtlCol="0" anchor="ctr"/>
           <a:p>
             <a:pPr algn="ctr"/>
-            <a:endParaRPr lang="zh-CN" altLang="en-US"/>
+            <a:endParaRPr lang="en-US" altLang="zh-CN" sz="400"/>
           </a:p>
         </p:txBody>
       </p:sp>
@@ -5516,16 +5484,14 @@
             <a:avLst/>
           </a:prstGeom>
           <a:solidFill>
-            <a:schemeClr val="tx1">
-              <a:lumMod val="50000"/>
-              <a:lumOff val="50000"/>
+            <a:schemeClr val="bg2">
+              <a:lumMod val="90000"/>
             </a:schemeClr>
           </a:solidFill>
           <a:ln>
             <a:solidFill>
-              <a:schemeClr val="tx1">
-                <a:lumMod val="50000"/>
-                <a:lumOff val="50000"/>
+              <a:schemeClr val="bg2">
+                <a:lumMod val="90000"/>
               </a:schemeClr>
             </a:solidFill>
           </a:ln>
@@ -5562,7 +5528,7 @@
         </p:nvSpPr>
         <p:spPr>
           <a:xfrm rot="16200000">
-            <a:off x="5375910" y="4065270"/>
+            <a:off x="5374640" y="4065270"/>
             <a:ext cx="212090" cy="654050"/>
           </a:xfrm>
           <a:prstGeom prst="upDownArrow">
@@ -5572,16 +5538,16 @@
             </a:avLst>
           </a:prstGeom>
           <a:solidFill>
-            <a:schemeClr val="tx1">
-              <a:lumMod val="50000"/>
-              <a:lumOff val="50000"/>
+            <a:schemeClr val="accent1">
+              <a:lumMod val="40000"/>
+              <a:lumOff val="60000"/>
             </a:schemeClr>
           </a:solidFill>
           <a:ln>
             <a:solidFill>
-              <a:schemeClr val="tx1">
-                <a:lumMod val="50000"/>
-                <a:lumOff val="50000"/>
+              <a:schemeClr val="accent1">
+                <a:lumMod val="40000"/>
+                <a:lumOff val="60000"/>
               </a:schemeClr>
             </a:solidFill>
           </a:ln>
@@ -5607,6 +5573,484 @@
           <a:p>
             <a:pPr algn="ctr"/>
             <a:endParaRPr lang="zh-CN" altLang="en-US"/>
+          </a:p>
+        </p:txBody>
+      </p:sp>
+      <p:sp>
+        <p:nvSpPr>
+          <p:cNvPr id="34" name="上下箭头 33"/>
+          <p:cNvSpPr/>
+          <p:nvPr/>
+        </p:nvSpPr>
+        <p:spPr>
+          <a:xfrm>
+            <a:off x="6912610" y="5164455"/>
+            <a:ext cx="185420" cy="424180"/>
+          </a:xfrm>
+          <a:prstGeom prst="upDownArrow">
+            <a:avLst/>
+          </a:prstGeom>
+          <a:solidFill>
+            <a:srgbClr val="7030A0"/>
+          </a:solidFill>
+          <a:ln>
+            <a:solidFill>
+              <a:srgbClr val="7030A0"/>
+            </a:solidFill>
+          </a:ln>
+        </p:spPr>
+        <p:style>
+          <a:lnRef idx="2">
+            <a:schemeClr val="accent1">
+              <a:lumMod val="75000"/>
+            </a:schemeClr>
+          </a:lnRef>
+          <a:fillRef idx="1">
+            <a:schemeClr val="accent1"/>
+          </a:fillRef>
+          <a:effectRef idx="0">
+            <a:srgbClr val="FFFFFF"/>
+          </a:effectRef>
+          <a:fontRef idx="minor">
+            <a:schemeClr val="lt1"/>
+          </a:fontRef>
+        </p:style>
+        <p:txBody>
+          <a:bodyPr rtlCol="0" anchor="ctr"/>
+          <a:p>
+            <a:pPr algn="ctr"/>
+            <a:endParaRPr lang="en-US" altLang="zh-CN"/>
+          </a:p>
+        </p:txBody>
+      </p:sp>
+      <p:sp>
+        <p:nvSpPr>
+          <p:cNvPr id="49" name="上下箭头 48"/>
+          <p:cNvSpPr/>
+          <p:nvPr/>
+        </p:nvSpPr>
+        <p:spPr>
+          <a:xfrm>
+            <a:off x="2985135" y="5164455"/>
+            <a:ext cx="185420" cy="424180"/>
+          </a:xfrm>
+          <a:prstGeom prst="upDownArrow">
+            <a:avLst/>
+          </a:prstGeom>
+          <a:solidFill>
+            <a:srgbClr val="7030A0"/>
+          </a:solidFill>
+          <a:ln>
+            <a:solidFill>
+              <a:srgbClr val="7030A0"/>
+            </a:solidFill>
+          </a:ln>
+        </p:spPr>
+        <p:style>
+          <a:lnRef idx="2">
+            <a:schemeClr val="accent1">
+              <a:lumMod val="75000"/>
+            </a:schemeClr>
+          </a:lnRef>
+          <a:fillRef idx="1">
+            <a:schemeClr val="accent1"/>
+          </a:fillRef>
+          <a:effectRef idx="0">
+            <a:srgbClr val="FFFFFF"/>
+          </a:effectRef>
+          <a:fontRef idx="minor">
+            <a:schemeClr val="lt1"/>
+          </a:fontRef>
+        </p:style>
+        <p:txBody>
+          <a:bodyPr rtlCol="0" anchor="ctr"/>
+          <a:p>
+            <a:pPr algn="ctr"/>
+            <a:endParaRPr lang="en-US" altLang="zh-CN"/>
+          </a:p>
+        </p:txBody>
+      </p:sp>
+      <p:sp>
+        <p:nvSpPr>
+          <p:cNvPr id="50" name="文本框 49"/>
+          <p:cNvSpPr txBox="1"/>
+          <p:nvPr/>
+        </p:nvSpPr>
+        <p:spPr>
+          <a:xfrm>
+            <a:off x="3324225" y="5220335"/>
+            <a:ext cx="3312160" cy="306705"/>
+          </a:xfrm>
+          <a:prstGeom prst="rect">
+            <a:avLst/>
+          </a:prstGeom>
+          <a:noFill/>
+        </p:spPr>
+        <p:txBody>
+          <a:bodyPr wrap="square" rtlCol="0">
+            <a:spAutoFit/>
+          </a:bodyPr>
+          <a:p>
+            <a:r>
+              <a:rPr lang="en-US" altLang="zh-CN" sz="1400" b="1">
+                <a:solidFill>
+                  <a:schemeClr val="tx1"/>
+                </a:solidFill>
+                <a:latin typeface="微软雅黑" panose="020B0503020204020204" charset="-122"/>
+                <a:ea typeface="微软雅黑" panose="020B0503020204020204" charset="-122"/>
+              </a:rPr>
+              <a:t>Wakeup / </a:t>
+            </a:r>
+            <a:r>
+              <a:rPr lang="en-US" altLang="zh-CN" sz="1400" b="1">
+                <a:solidFill>
+                  <a:schemeClr val="tx1"/>
+                </a:solidFill>
+                <a:latin typeface="微软雅黑" panose="020B0503020204020204" charset="-122"/>
+                <a:ea typeface="微软雅黑" panose="020B0503020204020204" charset="-122"/>
+              </a:rPr>
+              <a:t>SetWakeup / MsgQueue</a:t>
+            </a:r>
+            <a:endParaRPr lang="en-US" altLang="zh-CN" sz="1400" b="1">
+              <a:solidFill>
+                <a:schemeClr val="tx1"/>
+              </a:solidFill>
+              <a:latin typeface="微软雅黑" panose="020B0503020204020204" charset="-122"/>
+              <a:ea typeface="微软雅黑" panose="020B0503020204020204" charset="-122"/>
+            </a:endParaRPr>
+          </a:p>
+        </p:txBody>
+      </p:sp>
+      <p:sp>
+        <p:nvSpPr>
+          <p:cNvPr id="56" name="文本框 55"/>
+          <p:cNvSpPr txBox="1"/>
+          <p:nvPr/>
+        </p:nvSpPr>
+        <p:spPr>
+          <a:xfrm>
+            <a:off x="5833745" y="963295"/>
+            <a:ext cx="2634615" cy="245110"/>
+          </a:xfrm>
+          <a:prstGeom prst="rect">
+            <a:avLst/>
+          </a:prstGeom>
+          <a:ln w="28575">
+            <a:solidFill>
+              <a:srgbClr val="C00000"/>
+            </a:solidFill>
+            <a:prstDash val="sysDot"/>
+          </a:ln>
+        </p:spPr>
+        <p:txBody>
+          <a:bodyPr wrap="square">
+            <a:spAutoFit/>
+          </a:bodyPr>
+          <a:p>
+            <a:r>
+              <a:rPr lang="en-US" altLang="zh-CN" sz="1000">
+                <a:latin typeface="Arial" panose="020B0604020202020204" pitchFamily="34" charset="0"/>
+                <a:ea typeface="微软雅黑" panose="020B0503020204020204" charset="-122"/>
+                <a:cs typeface="Arial" panose="020B0604020202020204" pitchFamily="34" charset="0"/>
+              </a:rPr>
+              <a:t>Liquidity Complementarity or Crowding-Out?  </a:t>
+            </a:r>
+            <a:endParaRPr lang="en-US" altLang="zh-CN" sz="1000">
+              <a:latin typeface="Arial" panose="020B0604020202020204" pitchFamily="34" charset="0"/>
+              <a:ea typeface="微软雅黑" panose="020B0503020204020204" charset="-122"/>
+              <a:cs typeface="Arial" panose="020B0604020202020204" pitchFamily="34" charset="0"/>
+            </a:endParaRPr>
+          </a:p>
+        </p:txBody>
+      </p:sp>
+      <p:sp>
+        <p:nvSpPr>
+          <p:cNvPr id="59" name="上箭头 58"/>
+          <p:cNvSpPr/>
+          <p:nvPr/>
+        </p:nvSpPr>
+        <p:spPr>
+          <a:xfrm rot="5400000">
+            <a:off x="5410835" y="850900"/>
+            <a:ext cx="184785" cy="448310"/>
+          </a:xfrm>
+          <a:prstGeom prst="upArrow">
+            <a:avLst/>
+          </a:prstGeom>
+          <a:solidFill>
+            <a:srgbClr val="C00000"/>
+          </a:solidFill>
+          <a:ln>
+            <a:solidFill>
+              <a:srgbClr val="C00000"/>
+            </a:solidFill>
+          </a:ln>
+        </p:spPr>
+        <p:style>
+          <a:lnRef idx="2">
+            <a:schemeClr val="accent1">
+              <a:lumMod val="75000"/>
+            </a:schemeClr>
+          </a:lnRef>
+          <a:fillRef idx="1">
+            <a:schemeClr val="accent1"/>
+          </a:fillRef>
+          <a:effectRef idx="0">
+            <a:srgbClr val="FFFFFF"/>
+          </a:effectRef>
+          <a:fontRef idx="minor">
+            <a:schemeClr val="lt1"/>
+          </a:fontRef>
+        </p:style>
+        <p:txBody>
+          <a:bodyPr rtlCol="0" anchor="ctr"/>
+          <a:p>
+            <a:pPr algn="ctr"/>
+            <a:endParaRPr lang="zh-CN" altLang="en-US"/>
+          </a:p>
+        </p:txBody>
+      </p:sp>
+      <p:cxnSp>
+        <p:nvCxnSpPr>
+          <p:cNvPr id="19" name="肘形连接符 18"/>
+          <p:cNvCxnSpPr/>
+          <p:nvPr/>
+        </p:nvCxnSpPr>
+        <p:spPr>
+          <a:xfrm rot="10800000">
+            <a:off x="4383405" y="1620520"/>
+            <a:ext cx="1157605" cy="473075"/>
+          </a:xfrm>
+          <a:prstGeom prst="bentConnector3">
+            <a:avLst>
+              <a:gd name="adj1" fmla="val 32035"/>
+            </a:avLst>
+          </a:prstGeom>
+          <a:ln w="38100">
+            <a:solidFill>
+              <a:schemeClr val="accent6"/>
+            </a:solidFill>
+            <a:headEnd type="none" w="med" len="med"/>
+            <a:tailEnd type="triangle" w="med" len="med"/>
+          </a:ln>
+        </p:spPr>
+        <p:style>
+          <a:lnRef idx="2">
+            <a:schemeClr val="accent1"/>
+          </a:lnRef>
+          <a:fillRef idx="0">
+            <a:srgbClr val="FFFFFF"/>
+          </a:fillRef>
+          <a:effectRef idx="0">
+            <a:srgbClr val="FFFFFF"/>
+          </a:effectRef>
+          <a:fontRef idx="minor">
+            <a:schemeClr val="tx1"/>
+          </a:fontRef>
+        </p:style>
+      </p:cxnSp>
+      <p:sp>
+        <p:nvSpPr>
+          <p:cNvPr id="20" name="文本框 19"/>
+          <p:cNvSpPr txBox="1"/>
+          <p:nvPr/>
+        </p:nvSpPr>
+        <p:spPr>
+          <a:xfrm>
+            <a:off x="4311015" y="1594485"/>
+            <a:ext cx="1137285" cy="288925"/>
+          </a:xfrm>
+          <a:prstGeom prst="rect">
+            <a:avLst/>
+          </a:prstGeom>
+          <a:noFill/>
+        </p:spPr>
+        <p:txBody>
+          <a:bodyPr wrap="square" rtlCol="0">
+            <a:noAutofit/>
+          </a:bodyPr>
+          <a:p>
+            <a:r>
+              <a:rPr lang="en-US" altLang="zh-CN" sz="1000">
+                <a:solidFill>
+                  <a:schemeClr val="tx1"/>
+                </a:solidFill>
+                <a:latin typeface="微软雅黑" panose="020B0503020204020204" charset="-122"/>
+                <a:ea typeface="微软雅黑" panose="020B0503020204020204" charset="-122"/>
+              </a:rPr>
+              <a:t>per second</a:t>
+            </a:r>
+            <a:endParaRPr lang="en-US" altLang="zh-CN" sz="1000">
+              <a:solidFill>
+                <a:schemeClr val="tx1"/>
+              </a:solidFill>
+              <a:latin typeface="微软雅黑" panose="020B0503020204020204" charset="-122"/>
+              <a:ea typeface="微软雅黑" panose="020B0503020204020204" charset="-122"/>
+            </a:endParaRPr>
+          </a:p>
+        </p:txBody>
+      </p:sp>
+      <p:sp>
+        <p:nvSpPr>
+          <p:cNvPr id="21" name="椭圆 20"/>
+          <p:cNvSpPr/>
+          <p:nvPr/>
+        </p:nvSpPr>
+        <p:spPr>
+          <a:xfrm>
+            <a:off x="8914765" y="5527040"/>
+            <a:ext cx="388620" cy="140335"/>
+          </a:xfrm>
+          <a:prstGeom prst="ellipse">
+            <a:avLst/>
+          </a:prstGeom>
+          <a:solidFill>
+            <a:schemeClr val="bg1"/>
+          </a:solidFill>
+          <a:ln>
+            <a:solidFill>
+              <a:schemeClr val="tx1"/>
+            </a:solidFill>
+          </a:ln>
+        </p:spPr>
+        <p:style>
+          <a:lnRef idx="2">
+            <a:schemeClr val="accent1">
+              <a:lumMod val="75000"/>
+            </a:schemeClr>
+          </a:lnRef>
+          <a:fillRef idx="1">
+            <a:schemeClr val="accent1"/>
+          </a:fillRef>
+          <a:effectRef idx="0">
+            <a:srgbClr val="FFFFFF"/>
+          </a:effectRef>
+          <a:fontRef idx="minor">
+            <a:schemeClr val="lt1"/>
+          </a:fontRef>
+        </p:style>
+        <p:txBody>
+          <a:bodyPr rtlCol="0" anchor="ctr"/>
+          <a:p>
+            <a:pPr algn="ctr"/>
+            <a:endParaRPr lang="zh-CN" altLang="en-US">
+              <a:ln>
+                <a:solidFill>
+                  <a:schemeClr val="tx1"/>
+                </a:solidFill>
+              </a:ln>
+            </a:endParaRPr>
+          </a:p>
+        </p:txBody>
+      </p:sp>
+      <p:sp>
+        <p:nvSpPr>
+          <p:cNvPr id="22" name="梯形 21"/>
+          <p:cNvSpPr/>
+          <p:nvPr/>
+        </p:nvSpPr>
+        <p:spPr>
+          <a:xfrm>
+            <a:off x="8915400" y="5811520"/>
+            <a:ext cx="388620" cy="167640"/>
+          </a:xfrm>
+          <a:prstGeom prst="trapezoid">
+            <a:avLst/>
+          </a:prstGeom>
+          <a:solidFill>
+            <a:schemeClr val="bg1"/>
+          </a:solidFill>
+          <a:ln>
+            <a:solidFill>
+              <a:schemeClr val="tx1"/>
+            </a:solidFill>
+          </a:ln>
+        </p:spPr>
+        <p:style>
+          <a:lnRef idx="2">
+            <a:schemeClr val="accent1">
+              <a:lumMod val="75000"/>
+            </a:schemeClr>
+          </a:lnRef>
+          <a:fillRef idx="1">
+            <a:schemeClr val="accent1"/>
+          </a:fillRef>
+          <a:effectRef idx="0">
+            <a:srgbClr val="FFFFFF"/>
+          </a:effectRef>
+          <a:fontRef idx="minor">
+            <a:schemeClr val="lt1"/>
+          </a:fontRef>
+        </p:style>
+        <p:txBody>
+          <a:bodyPr rtlCol="0" anchor="ctr"/>
+          <a:p>
+            <a:pPr algn="ctr"/>
+            <a:endParaRPr lang="zh-CN" altLang="en-US">
+              <a:ln>
+                <a:solidFill>
+                  <a:schemeClr val="tx1"/>
+                </a:solidFill>
+              </a:ln>
+            </a:endParaRPr>
+          </a:p>
+        </p:txBody>
+      </p:sp>
+      <p:sp>
+        <p:nvSpPr>
+          <p:cNvPr id="23" name="文本框 22"/>
+          <p:cNvSpPr txBox="1"/>
+          <p:nvPr/>
+        </p:nvSpPr>
+        <p:spPr>
+          <a:xfrm>
+            <a:off x="9386570" y="5527040"/>
+            <a:ext cx="815975" cy="193040"/>
+          </a:xfrm>
+          <a:prstGeom prst="rect">
+            <a:avLst/>
+          </a:prstGeom>
+          <a:noFill/>
+        </p:spPr>
+        <p:txBody>
+          <a:bodyPr wrap="square" rtlCol="0">
+            <a:noAutofit/>
+          </a:bodyPr>
+          <a:p>
+            <a:r>
+              <a:rPr lang="en-US" altLang="zh-CN" sz="800"/>
+              <a:t>TradingAgent</a:t>
+            </a:r>
+            <a:endParaRPr lang="en-US" altLang="zh-CN" sz="800"/>
+          </a:p>
+        </p:txBody>
+      </p:sp>
+      <p:sp>
+        <p:nvSpPr>
+          <p:cNvPr id="35" name="文本框 34"/>
+          <p:cNvSpPr txBox="1"/>
+          <p:nvPr/>
+        </p:nvSpPr>
+        <p:spPr>
+          <a:xfrm>
+            <a:off x="9386570" y="5811520"/>
+            <a:ext cx="970280" cy="193040"/>
+          </a:xfrm>
+          <a:prstGeom prst="rect">
+            <a:avLst/>
+          </a:prstGeom>
+          <a:noFill/>
+        </p:spPr>
+        <p:txBody>
+          <a:bodyPr wrap="square" rtlCol="0">
+            <a:noAutofit/>
+          </a:bodyPr>
+          <a:p>
+            <a:r>
+              <a:rPr lang="en-US" altLang="zh-CN" sz="800"/>
+              <a:t>ExchangeAgent</a:t>
+            </a:r>
+            <a:endParaRPr lang="en-US" altLang="zh-CN" sz="800"/>
           </a:p>
         </p:txBody>
       </p:sp>
